--- a/_PowerPoints/1st Semester/Unit 3 Systems of Equations/Algebra3_Day_027 3.6 Solving Systems with Matrices and Quiz.pptx
+++ b/_PowerPoints/1st Semester/Unit 3 Systems of Equations/Algebra3_Day_027 3.6 Solving Systems with Matrices and Quiz.pptx
@@ -210,7 +210,7 @@
           <a:p>
             <a:fld id="{FAC4242D-6570-4D26-878C-5DE8AD62D39F}" type="datetimeFigureOut">
               <a:rPr lang="en-US" smtClean="0"/>
-              <a:t>11/9/2017</a:t>
+              <a:t>11/15/2018</a:t>
             </a:fld>
             <a:endParaRPr lang="en-US"/>
           </a:p>
@@ -463,7 +463,7 @@
             <a:fld id="{87DE6118-2437-4B30-8E3C-4D2BE6020583}" type="datetimeFigureOut">
               <a:rPr lang="en-US" dirty="0"/>
               <a:pPr/>
-              <a:t>11/9/2017</a:t>
+              <a:t>11/15/2018</a:t>
             </a:fld>
             <a:endParaRPr lang="en-US" dirty="0"/>
           </a:p>
@@ -789,7 +789,7 @@
           <a:p>
             <a:fld id="{87DE6118-2437-4B30-8E3C-4D2BE6020583}" type="datetimeFigureOut">
               <a:rPr lang="en-US" dirty="0"/>
-              <a:t>11/9/2017</a:t>
+              <a:t>11/15/2018</a:t>
             </a:fld>
             <a:endParaRPr lang="en-US" dirty="0"/>
           </a:p>
@@ -964,7 +964,7 @@
           <a:p>
             <a:fld id="{87DE6118-2437-4B30-8E3C-4D2BE6020583}" type="datetimeFigureOut">
               <a:rPr lang="en-US" dirty="0"/>
-              <a:t>11/9/2017</a:t>
+              <a:t>11/15/2018</a:t>
             </a:fld>
             <a:endParaRPr lang="en-US" dirty="0"/>
           </a:p>
@@ -1129,7 +1129,7 @@
           <a:p>
             <a:fld id="{87DE6118-2437-4B30-8E3C-4D2BE6020583}" type="datetimeFigureOut">
               <a:rPr lang="en-US" dirty="0"/>
-              <a:t>11/9/2017</a:t>
+              <a:t>11/15/2018</a:t>
             </a:fld>
             <a:endParaRPr lang="en-US" dirty="0"/>
           </a:p>
@@ -1402,7 +1402,7 @@
             <a:fld id="{87DE6118-2437-4B30-8E3C-4D2BE6020583}" type="datetimeFigureOut">
               <a:rPr lang="en-US" dirty="0"/>
               <a:pPr/>
-              <a:t>11/9/2017</a:t>
+              <a:t>11/15/2018</a:t>
             </a:fld>
             <a:endParaRPr lang="en-US" dirty="0"/>
           </a:p>
@@ -1792,7 +1792,7 @@
           <a:p>
             <a:fld id="{87DE6118-2437-4B30-8E3C-4D2BE6020583}" type="datetimeFigureOut">
               <a:rPr lang="en-US" dirty="0"/>
-              <a:t>11/9/2017</a:t>
+              <a:t>11/15/2018</a:t>
             </a:fld>
             <a:endParaRPr lang="en-US" dirty="0"/>
           </a:p>
@@ -2264,7 +2264,7 @@
           <a:p>
             <a:fld id="{87DE6118-2437-4B30-8E3C-4D2BE6020583}" type="datetimeFigureOut">
               <a:rPr lang="en-US" dirty="0"/>
-              <a:t>11/9/2017</a:t>
+              <a:t>11/15/2018</a:t>
             </a:fld>
             <a:endParaRPr lang="en-US" dirty="0"/>
           </a:p>
@@ -2377,7 +2377,7 @@
           <a:p>
             <a:fld id="{87DE6118-2437-4B30-8E3C-4D2BE6020583}" type="datetimeFigureOut">
               <a:rPr lang="en-US" dirty="0"/>
-              <a:t>11/9/2017</a:t>
+              <a:t>11/15/2018</a:t>
             </a:fld>
             <a:endParaRPr lang="en-US" dirty="0"/>
           </a:p>
@@ -2467,7 +2467,7 @@
           <a:p>
             <a:fld id="{87DE6118-2437-4B30-8E3C-4D2BE6020583}" type="datetimeFigureOut">
               <a:rPr lang="en-US" dirty="0"/>
-              <a:t>11/9/2017</a:t>
+              <a:t>11/15/2018</a:t>
             </a:fld>
             <a:endParaRPr lang="en-US" dirty="0"/>
           </a:p>
@@ -2809,7 +2809,7 @@
             <a:fld id="{87DE6118-2437-4B30-8E3C-4D2BE6020583}" type="datetimeFigureOut">
               <a:rPr lang="en-US" dirty="0"/>
               <a:pPr/>
-              <a:t>11/9/2017</a:t>
+              <a:t>11/15/2018</a:t>
             </a:fld>
             <a:endParaRPr lang="en-US" dirty="0"/>
           </a:p>
@@ -3194,7 +3194,7 @@
             <a:fld id="{87DE6118-2437-4B30-8E3C-4D2BE6020583}" type="datetimeFigureOut">
               <a:rPr lang="en-US" dirty="0"/>
               <a:pPr/>
-              <a:t>11/9/2017</a:t>
+              <a:t>11/15/2018</a:t>
             </a:fld>
             <a:endParaRPr lang="en-US" dirty="0"/>
           </a:p>
@@ -3469,7 +3469,7 @@
             <a:fld id="{87DE6118-2437-4B30-8E3C-4D2BE6020583}" type="datetimeFigureOut">
               <a:rPr lang="en-US" dirty="0"/>
               <a:pPr/>
-              <a:t>11/9/2017</a:t>
+              <a:t>11/15/2018</a:t>
             </a:fld>
             <a:endParaRPr lang="en-US" dirty="0"/>
           </a:p>
@@ -5467,8 +5467,8 @@
           </a:p>
         </p:txBody>
       </p:sp>
-      <mc:AlternateContent xmlns:mc="http://schemas.openxmlformats.org/markup-compatibility/2006" xmlns:a14="http://schemas.microsoft.com/office/drawing/2010/main">
-        <mc:Choice Requires="a14">
+      <mc:AlternateContent xmlns:mc="http://schemas.openxmlformats.org/markup-compatibility/2006">
+        <mc:Choice xmlns:a14="http://schemas.microsoft.com/office/drawing/2010/main" Requires="a14">
           <p:sp>
             <p:nvSpPr>
               <p:cNvPr id="3" name="Content Placeholder 2"/>
@@ -5700,7 +5700,7 @@
             </p:txBody>
           </p:sp>
         </mc:Choice>
-        <mc:Fallback xmlns="">
+        <mc:Fallback>
           <p:sp>
             <p:nvSpPr>
               <p:cNvPr id="3" name="Content Placeholder 2"/>
@@ -5744,6 +5744,13 @@
   <p:clrMapOvr>
     <a:masterClrMapping/>
   </p:clrMapOvr>
+  <p:timing>
+    <p:tnLst>
+      <p:par>
+        <p:cTn id="1" dur="indefinite" restart="never" nodeType="tmRoot"/>
+      </p:par>
+    </p:tnLst>
+  </p:timing>
 </p:sld>
 </file>
 
@@ -5787,8 +5794,8 @@
           </a:p>
         </p:txBody>
       </p:sp>
-      <mc:AlternateContent xmlns:mc="http://schemas.openxmlformats.org/markup-compatibility/2006" xmlns:a14="http://schemas.microsoft.com/office/drawing/2010/main">
-        <mc:Choice Requires="a14">
+      <mc:AlternateContent xmlns:mc="http://schemas.openxmlformats.org/markup-compatibility/2006">
+        <mc:Choice xmlns:a14="http://schemas.microsoft.com/office/drawing/2010/main" Requires="a14">
           <p:sp>
             <p:nvSpPr>
               <p:cNvPr id="3" name="Content Placeholder 2"/>
@@ -5810,37 +5817,37 @@
                 <a14:m>
                   <m:oMath xmlns:m="http://schemas.openxmlformats.org/officeDocument/2006/math">
                     <m:r>
-                      <a:rPr lang="en-US" sz="3000" i="1" smtClean="0">
+                      <a:rPr lang="en-US" sz="3000" i="1" strike="sngStrike" smtClean="0">
                         <a:latin typeface="Cambria Math" panose="02040503050406030204" pitchFamily="18" charset="0"/>
                       </a:rPr>
                       <m:t>3</m:t>
                     </m:r>
                     <m:r>
-                      <a:rPr lang="en-US" sz="3000" i="1">
+                      <a:rPr lang="en-US" sz="3000" i="1" strike="sngStrike">
                         <a:latin typeface="Cambria Math" panose="02040503050406030204" pitchFamily="18" charset="0"/>
                       </a:rPr>
                       <m:t>.)      4</m:t>
                     </m:r>
                     <m:r>
-                      <a:rPr lang="en-US" sz="3000" i="1">
+                      <a:rPr lang="en-US" sz="3000" i="1" strike="sngStrike">
                         <a:latin typeface="Cambria Math" panose="02040503050406030204" pitchFamily="18" charset="0"/>
                       </a:rPr>
                       <m:t>𝑥</m:t>
                     </m:r>
                     <m:r>
-                      <a:rPr lang="en-US" sz="3000" i="1">
+                      <a:rPr lang="en-US" sz="3000" i="1" strike="sngStrike">
                         <a:latin typeface="Cambria Math" panose="02040503050406030204" pitchFamily="18" charset="0"/>
                       </a:rPr>
                       <m:t>+2</m:t>
                     </m:r>
                     <m:r>
-                      <a:rPr lang="en-US" sz="3000" i="1">
+                      <a:rPr lang="en-US" sz="3000" i="1" strike="sngStrike">
                         <a:latin typeface="Cambria Math" panose="02040503050406030204" pitchFamily="18" charset="0"/>
                       </a:rPr>
                       <m:t>𝑦</m:t>
                     </m:r>
                     <m:r>
-                      <a:rPr lang="en-US" sz="3000" i="1">
+                      <a:rPr lang="en-US" sz="3000" i="1" strike="sngStrike">
                         <a:latin typeface="Cambria Math" panose="02040503050406030204" pitchFamily="18" charset="0"/>
                       </a:rPr>
                       <m:t>=8</m:t>
@@ -5848,10 +5855,10 @@
                   </m:oMath>
                 </a14:m>
                 <a:r>
-                  <a:rPr lang="en-US" sz="3000" dirty="0"/>
+                  <a:rPr lang="en-US" sz="3000" strike="sngStrike" dirty="0"/>
                   <a:t> </a:t>
                 </a:r>
-                <a:endParaRPr lang="en-US" sz="3000" i="1" dirty="0"/>
+                <a:endParaRPr lang="en-US" sz="3000" i="1" strike="sngStrike" dirty="0"/>
               </a:p>
               <a:p>
                 <a:pPr marL="0" indent="0">
@@ -5864,31 +5871,31 @@
                     </m:oMathParaPr>
                     <m:oMath xmlns:m="http://schemas.openxmlformats.org/officeDocument/2006/math">
                       <m:r>
-                        <a:rPr lang="en-US" sz="3000" i="1">
+                        <a:rPr lang="en-US" sz="3000" i="1" strike="sngStrike">
                           <a:latin typeface="Cambria Math" panose="02040503050406030204" pitchFamily="18" charset="0"/>
                         </a:rPr>
                         <m:t>             </m:t>
                       </m:r>
                       <m:r>
-                        <a:rPr lang="en-US" sz="3000" i="1">
+                        <a:rPr lang="en-US" sz="3000" i="1" strike="sngStrike">
                           <a:latin typeface="Cambria Math" panose="02040503050406030204" pitchFamily="18" charset="0"/>
                         </a:rPr>
                         <m:t>𝑦</m:t>
                       </m:r>
                       <m:r>
-                        <a:rPr lang="en-US" sz="3000" i="1">
+                        <a:rPr lang="en-US" sz="3000" i="1" strike="sngStrike">
                           <a:latin typeface="Cambria Math" panose="02040503050406030204" pitchFamily="18" charset="0"/>
                         </a:rPr>
                         <m:t>+2</m:t>
                       </m:r>
                       <m:r>
-                        <a:rPr lang="en-US" sz="3000" i="1">
+                        <a:rPr lang="en-US" sz="3000" i="1" strike="sngStrike">
                           <a:latin typeface="Cambria Math" panose="02040503050406030204" pitchFamily="18" charset="0"/>
                         </a:rPr>
                         <m:t>𝑥</m:t>
                       </m:r>
                       <m:r>
-                        <a:rPr lang="en-US" sz="3000" i="1">
+                        <a:rPr lang="en-US" sz="3000" i="1" strike="sngStrike">
                           <a:latin typeface="Cambria Math" panose="02040503050406030204" pitchFamily="18" charset="0"/>
                         </a:rPr>
                         <m:t>=4</m:t>
@@ -5896,7 +5903,7 @@
                     </m:oMath>
                   </m:oMathPara>
                 </a14:m>
-                <a:endParaRPr lang="en-US" sz="3000" dirty="0" smtClean="0"/>
+                <a:endParaRPr lang="en-US" sz="3000" strike="sngStrike" dirty="0" smtClean="0"/>
               </a:p>
               <a:p>
                 <a:pPr marL="0" indent="0">
@@ -6013,7 +6020,7 @@
             </p:txBody>
           </p:sp>
         </mc:Choice>
-        <mc:Fallback xmlns="">
+        <mc:Fallback>
           <p:sp>
             <p:nvSpPr>
               <p:cNvPr id="3" name="Content Placeholder 2"/>
@@ -6057,6 +6064,13 @@
   <p:clrMapOvr>
     <a:masterClrMapping/>
   </p:clrMapOvr>
+  <p:timing>
+    <p:tnLst>
+      <p:par>
+        <p:cTn id="1" dur="indefinite" restart="never" nodeType="tmRoot"/>
+      </p:par>
+    </p:tnLst>
+  </p:timing>
 </p:sld>
 </file>
 
@@ -6197,6 +6211,13 @@
   <p:clrMapOvr>
     <a:masterClrMapping/>
   </p:clrMapOvr>
+  <p:timing>
+    <p:tnLst>
+      <p:par>
+        <p:cTn id="1" dur="indefinite" restart="never" nodeType="tmRoot"/>
+      </p:par>
+    </p:tnLst>
+  </p:timing>
 </p:sld>
 </file>
 
